--- a/Figs.pptx
+++ b/Figs.pptx
@@ -15,11 +15,12 @@
     <p:sldId id="262" r:id="rId9"/>
     <p:sldId id="265" r:id="rId10"/>
     <p:sldId id="264" r:id="rId11"/>
+    <p:sldId id="266" r:id="rId12"/>
   </p:sldIdLst>
   <p:sldSz cx="12192000" cy="6858000"/>
   <p:notesSz cx="6858000" cy="9144000"/>
   <p:custDataLst>
-    <p:tags r:id="rId12"/>
+    <p:tags r:id="rId13"/>
   </p:custDataLst>
   <p:defaultTextStyle>
     <a:defPPr>
@@ -253,7 +254,7 @@
           <a:p>
             <a:fld id="{D997B5FA-0921-464F-AAE1-844C04324D75}" type="datetimeFigureOut">
               <a:rPr lang="zh-CN" altLang="en-US" smtClean="0"/>
-              <a:t>2023/4/3</a:t>
+              <a:t>2023/4/4</a:t>
             </a:fld>
             <a:endParaRPr lang="zh-CN" altLang="en-US"/>
           </a:p>
@@ -416,7 +417,7 @@
           <a:p>
             <a:fld id="{D997B5FA-0921-464F-AAE1-844C04324D75}" type="datetimeFigureOut">
               <a:rPr lang="zh-CN" altLang="en-US" smtClean="0"/>
-              <a:t>2023/4/3</a:t>
+              <a:t>2023/4/4</a:t>
             </a:fld>
             <a:endParaRPr lang="zh-CN" altLang="en-US"/>
           </a:p>
@@ -589,7 +590,7 @@
           <a:p>
             <a:fld id="{D997B5FA-0921-464F-AAE1-844C04324D75}" type="datetimeFigureOut">
               <a:rPr lang="zh-CN" altLang="en-US" smtClean="0"/>
-              <a:t>2023/4/3</a:t>
+              <a:t>2023/4/4</a:t>
             </a:fld>
             <a:endParaRPr lang="zh-CN" altLang="en-US"/>
           </a:p>
@@ -752,7 +753,7 @@
           <a:p>
             <a:fld id="{D997B5FA-0921-464F-AAE1-844C04324D75}" type="datetimeFigureOut">
               <a:rPr lang="zh-CN" altLang="en-US" smtClean="0"/>
-              <a:t>2023/4/3</a:t>
+              <a:t>2023/4/4</a:t>
             </a:fld>
             <a:endParaRPr lang="zh-CN" altLang="en-US"/>
           </a:p>
@@ -992,7 +993,7 @@
           <a:p>
             <a:fld id="{D997B5FA-0921-464F-AAE1-844C04324D75}" type="datetimeFigureOut">
               <a:rPr lang="zh-CN" altLang="en-US" smtClean="0"/>
-              <a:t>2023/4/3</a:t>
+              <a:t>2023/4/4</a:t>
             </a:fld>
             <a:endParaRPr lang="zh-CN" altLang="en-US"/>
           </a:p>
@@ -1216,7 +1217,7 @@
           <a:p>
             <a:fld id="{D997B5FA-0921-464F-AAE1-844C04324D75}" type="datetimeFigureOut">
               <a:rPr lang="zh-CN" altLang="en-US" smtClean="0"/>
-              <a:t>2023/4/3</a:t>
+              <a:t>2023/4/4</a:t>
             </a:fld>
             <a:endParaRPr lang="zh-CN" altLang="en-US"/>
           </a:p>
@@ -1575,7 +1576,7 @@
           <a:p>
             <a:fld id="{D997B5FA-0921-464F-AAE1-844C04324D75}" type="datetimeFigureOut">
               <a:rPr lang="zh-CN" altLang="en-US" smtClean="0"/>
-              <a:t>2023/4/3</a:t>
+              <a:t>2023/4/4</a:t>
             </a:fld>
             <a:endParaRPr lang="zh-CN" altLang="en-US"/>
           </a:p>
@@ -1687,7 +1688,7 @@
           <a:p>
             <a:fld id="{D997B5FA-0921-464F-AAE1-844C04324D75}" type="datetimeFigureOut">
               <a:rPr lang="zh-CN" altLang="en-US" smtClean="0"/>
-              <a:t>2023/4/3</a:t>
+              <a:t>2023/4/4</a:t>
             </a:fld>
             <a:endParaRPr lang="zh-CN" altLang="en-US"/>
           </a:p>
@@ -1777,7 +1778,7 @@
           <a:p>
             <a:fld id="{D997B5FA-0921-464F-AAE1-844C04324D75}" type="datetimeFigureOut">
               <a:rPr lang="zh-CN" altLang="en-US" smtClean="0"/>
-              <a:t>2023/4/3</a:t>
+              <a:t>2023/4/4</a:t>
             </a:fld>
             <a:endParaRPr lang="zh-CN" altLang="en-US"/>
           </a:p>
@@ -2047,7 +2048,7 @@
           <a:p>
             <a:fld id="{D997B5FA-0921-464F-AAE1-844C04324D75}" type="datetimeFigureOut">
               <a:rPr lang="zh-CN" altLang="en-US" smtClean="0"/>
-              <a:t>2023/4/3</a:t>
+              <a:t>2023/4/4</a:t>
             </a:fld>
             <a:endParaRPr lang="zh-CN" altLang="en-US"/>
           </a:p>
@@ -2294,7 +2295,7 @@
           <a:p>
             <a:fld id="{D997B5FA-0921-464F-AAE1-844C04324D75}" type="datetimeFigureOut">
               <a:rPr lang="zh-CN" altLang="en-US" smtClean="0"/>
-              <a:t>2023/4/3</a:t>
+              <a:t>2023/4/4</a:t>
             </a:fld>
             <a:endParaRPr lang="zh-CN" altLang="en-US"/>
           </a:p>
@@ -2500,7 +2501,7 @@
           <a:p>
             <a:fld id="{D997B5FA-0921-464F-AAE1-844C04324D75}" type="datetimeFigureOut">
               <a:rPr lang="zh-CN" altLang="en-US" smtClean="0"/>
-              <a:t>2023/4/3</a:t>
+              <a:t>2023/4/4</a:t>
             </a:fld>
             <a:endParaRPr lang="zh-CN" altLang="en-US"/>
           </a:p>
@@ -3884,6 +3885,631 @@
 </file>
 
 <file path=ppt/slides/slide10.xml><?xml version="1.0" encoding="utf-8"?>
+<p:sld xmlns:a="http://schemas.openxmlformats.org/drawingml/2006/main" xmlns:r="http://schemas.openxmlformats.org/officeDocument/2006/relationships" xmlns:p="http://schemas.openxmlformats.org/presentationml/2006/main">
+  <p:cSld>
+    <p:spTree>
+      <p:nvGrpSpPr>
+        <p:cNvPr id="1" name=""/>
+        <p:cNvGrpSpPr/>
+        <p:nvPr/>
+      </p:nvGrpSpPr>
+      <p:grpSpPr>
+        <a:xfrm>
+          <a:off x="0" y="0"/>
+          <a:ext cx="0" cy="0"/>
+          <a:chOff x="0" y="0"/>
+          <a:chExt cx="0" cy="0"/>
+        </a:xfrm>
+      </p:grpSpPr>
+      <p:grpSp>
+        <p:nvGrpSpPr>
+          <p:cNvPr id="7" name="组合 6">
+            <a:extLst>
+              <a:ext uri="{FF2B5EF4-FFF2-40B4-BE49-F238E27FC236}">
+                <a16:creationId xmlns:a16="http://schemas.microsoft.com/office/drawing/2014/main" id="{6618E311-162B-4BF6-8337-FF2EA651DF1B}"/>
+              </a:ext>
+            </a:extLst>
+          </p:cNvPr>
+          <p:cNvGrpSpPr/>
+          <p:nvPr/>
+        </p:nvGrpSpPr>
+        <p:grpSpPr>
+          <a:xfrm>
+            <a:off x="1600776" y="998588"/>
+            <a:ext cx="9361526" cy="4274748"/>
+            <a:chOff x="1148015" y="625726"/>
+            <a:chExt cx="9361526" cy="4274748"/>
+          </a:xfrm>
+        </p:grpSpPr>
+        <p:pic>
+          <p:nvPicPr>
+            <p:cNvPr id="6" name="图片 5">
+              <a:extLst>
+                <a:ext uri="{FF2B5EF4-FFF2-40B4-BE49-F238E27FC236}">
+                  <a16:creationId xmlns:a16="http://schemas.microsoft.com/office/drawing/2014/main" id="{6946F37C-AE9B-4C80-A78E-7A31621CD011}"/>
+                </a:ext>
+              </a:extLst>
+            </p:cNvPr>
+            <p:cNvPicPr>
+              <a:picLocks noChangeAspect="1"/>
+            </p:cNvPicPr>
+            <p:nvPr/>
+          </p:nvPicPr>
+          <p:blipFill>
+            <a:blip r:embed="rId2"/>
+            <a:stretch>
+              <a:fillRect/>
+            </a:stretch>
+          </p:blipFill>
+          <p:spPr>
+            <a:xfrm>
+              <a:off x="1148015" y="1067971"/>
+              <a:ext cx="9361526" cy="3832503"/>
+            </a:xfrm>
+            <a:prstGeom prst="rect">
+              <a:avLst/>
+            </a:prstGeom>
+          </p:spPr>
+        </p:pic>
+        <p:sp>
+          <p:nvSpPr>
+            <p:cNvPr id="63" name="文本框 62">
+              <a:extLst>
+                <a:ext uri="{FF2B5EF4-FFF2-40B4-BE49-F238E27FC236}">
+                  <a16:creationId xmlns:a16="http://schemas.microsoft.com/office/drawing/2014/main" id="{32958124-D75E-46D0-A914-ED31F7BEE8AA}"/>
+                </a:ext>
+              </a:extLst>
+            </p:cNvPr>
+            <p:cNvSpPr txBox="1"/>
+            <p:nvPr/>
+          </p:nvSpPr>
+          <p:spPr>
+            <a:xfrm>
+              <a:off x="3457256" y="3341174"/>
+              <a:ext cx="530915" cy="369332"/>
+            </a:xfrm>
+            <a:prstGeom prst="rect">
+              <a:avLst/>
+            </a:prstGeom>
+            <a:noFill/>
+          </p:spPr>
+          <p:txBody>
+            <a:bodyPr wrap="none" rtlCol="0">
+              <a:spAutoFit/>
+            </a:bodyPr>
+            <a:lstStyle/>
+            <a:p>
+              <a:r>
+                <a:rPr lang="en-US" altLang="zh-CN" b="1" dirty="0">
+                  <a:solidFill>
+                    <a:srgbClr val="FF0000"/>
+                  </a:solidFill>
+                </a:rPr>
+                <a:t>a_0</a:t>
+              </a:r>
+              <a:endParaRPr lang="zh-CN" altLang="en-US" b="1" dirty="0">
+                <a:solidFill>
+                  <a:srgbClr val="FF0000"/>
+                </a:solidFill>
+              </a:endParaRPr>
+            </a:p>
+          </p:txBody>
+        </p:sp>
+        <p:sp>
+          <p:nvSpPr>
+            <p:cNvPr id="64" name="文本框 63">
+              <a:extLst>
+                <a:ext uri="{FF2B5EF4-FFF2-40B4-BE49-F238E27FC236}">
+                  <a16:creationId xmlns:a16="http://schemas.microsoft.com/office/drawing/2014/main" id="{F43A840B-F28C-4968-9F64-A0D34200AE61}"/>
+                </a:ext>
+              </a:extLst>
+            </p:cNvPr>
+            <p:cNvSpPr txBox="1"/>
+            <p:nvPr/>
+          </p:nvSpPr>
+          <p:spPr>
+            <a:xfrm>
+              <a:off x="5669276" y="3341174"/>
+              <a:ext cx="530915" cy="369332"/>
+            </a:xfrm>
+            <a:prstGeom prst="rect">
+              <a:avLst/>
+            </a:prstGeom>
+            <a:noFill/>
+          </p:spPr>
+          <p:txBody>
+            <a:bodyPr wrap="none" rtlCol="0">
+              <a:spAutoFit/>
+            </a:bodyPr>
+            <a:lstStyle/>
+            <a:p>
+              <a:r>
+                <a:rPr lang="en-US" altLang="zh-CN" b="1" dirty="0">
+                  <a:solidFill>
+                    <a:srgbClr val="FF0000"/>
+                  </a:solidFill>
+                </a:rPr>
+                <a:t>a_0</a:t>
+              </a:r>
+              <a:endParaRPr lang="zh-CN" altLang="en-US" b="1" dirty="0">
+                <a:solidFill>
+                  <a:srgbClr val="FF0000"/>
+                </a:solidFill>
+              </a:endParaRPr>
+            </a:p>
+          </p:txBody>
+        </p:sp>
+        <p:sp>
+          <p:nvSpPr>
+            <p:cNvPr id="68" name="文本框 67">
+              <a:extLst>
+                <a:ext uri="{FF2B5EF4-FFF2-40B4-BE49-F238E27FC236}">
+                  <a16:creationId xmlns:a16="http://schemas.microsoft.com/office/drawing/2014/main" id="{43F2E63F-8212-4A9D-8D58-2DE8D854952D}"/>
+                </a:ext>
+              </a:extLst>
+            </p:cNvPr>
+            <p:cNvSpPr txBox="1"/>
+            <p:nvPr/>
+          </p:nvSpPr>
+          <p:spPr>
+            <a:xfrm>
+              <a:off x="8089408" y="3341174"/>
+              <a:ext cx="301686" cy="369332"/>
+            </a:xfrm>
+            <a:prstGeom prst="rect">
+              <a:avLst/>
+            </a:prstGeom>
+            <a:noFill/>
+          </p:spPr>
+          <p:txBody>
+            <a:bodyPr wrap="none" rtlCol="0">
+              <a:spAutoFit/>
+            </a:bodyPr>
+            <a:lstStyle/>
+            <a:p>
+              <a:r>
+                <a:rPr lang="en-US" altLang="zh-CN" b="1" dirty="0">
+                  <a:solidFill>
+                    <a:srgbClr val="FF0000"/>
+                  </a:solidFill>
+                </a:rPr>
+                <a:t>0</a:t>
+              </a:r>
+              <a:endParaRPr lang="zh-CN" altLang="en-US" b="1" dirty="0">
+                <a:solidFill>
+                  <a:srgbClr val="FF0000"/>
+                </a:solidFill>
+              </a:endParaRPr>
+            </a:p>
+          </p:txBody>
+        </p:sp>
+        <p:sp>
+          <p:nvSpPr>
+            <p:cNvPr id="75" name="文本框 74">
+              <a:extLst>
+                <a:ext uri="{FF2B5EF4-FFF2-40B4-BE49-F238E27FC236}">
+                  <a16:creationId xmlns:a16="http://schemas.microsoft.com/office/drawing/2014/main" id="{9E798CC8-0A64-403A-B589-47FF32103037}"/>
+                </a:ext>
+              </a:extLst>
+            </p:cNvPr>
+            <p:cNvSpPr txBox="1"/>
+            <p:nvPr/>
+          </p:nvSpPr>
+          <p:spPr>
+            <a:xfrm>
+              <a:off x="6806885" y="3341174"/>
+              <a:ext cx="348172" cy="369332"/>
+            </a:xfrm>
+            <a:prstGeom prst="rect">
+              <a:avLst/>
+            </a:prstGeom>
+            <a:noFill/>
+          </p:spPr>
+          <p:txBody>
+            <a:bodyPr wrap="none" rtlCol="0">
+              <a:spAutoFit/>
+            </a:bodyPr>
+            <a:lstStyle/>
+            <a:p>
+              <a:r>
+                <a:rPr lang="en-US" altLang="zh-CN" b="1" dirty="0">
+                  <a:solidFill>
+                    <a:srgbClr val="FF0000"/>
+                  </a:solidFill>
+                </a:rPr>
+                <a:t>…</a:t>
+              </a:r>
+              <a:endParaRPr lang="zh-CN" altLang="en-US" b="1" dirty="0">
+                <a:solidFill>
+                  <a:srgbClr val="FF0000"/>
+                </a:solidFill>
+              </a:endParaRPr>
+            </a:p>
+          </p:txBody>
+        </p:sp>
+        <p:sp>
+          <p:nvSpPr>
+            <p:cNvPr id="78" name="文本框 77">
+              <a:extLst>
+                <a:ext uri="{FF2B5EF4-FFF2-40B4-BE49-F238E27FC236}">
+                  <a16:creationId xmlns:a16="http://schemas.microsoft.com/office/drawing/2014/main" id="{F60BC17B-AC86-4D9E-BC75-43199A7134D4}"/>
+                </a:ext>
+              </a:extLst>
+            </p:cNvPr>
+            <p:cNvSpPr txBox="1"/>
+            <p:nvPr/>
+          </p:nvSpPr>
+          <p:spPr>
+            <a:xfrm>
+              <a:off x="1471618" y="1815694"/>
+              <a:ext cx="1197764" cy="369332"/>
+            </a:xfrm>
+            <a:prstGeom prst="rect">
+              <a:avLst/>
+            </a:prstGeom>
+            <a:noFill/>
+          </p:spPr>
+          <p:txBody>
+            <a:bodyPr wrap="none" rtlCol="0">
+              <a:spAutoFit/>
+            </a:bodyPr>
+            <a:lstStyle/>
+            <a:p>
+              <a:r>
+                <a:rPr lang="en-US" altLang="zh-CN" b="1" dirty="0">
+                  <a:solidFill>
+                    <a:srgbClr val="FF0000"/>
+                  </a:solidFill>
+                </a:rPr>
+                <a:t>x, v_0, v_1</a:t>
+              </a:r>
+              <a:endParaRPr lang="zh-CN" altLang="en-US" b="1" dirty="0">
+                <a:solidFill>
+                  <a:srgbClr val="FF0000"/>
+                </a:solidFill>
+              </a:endParaRPr>
+            </a:p>
+          </p:txBody>
+        </p:sp>
+        <p:sp>
+          <p:nvSpPr>
+            <p:cNvPr id="80" name="文本框 79">
+              <a:extLst>
+                <a:ext uri="{FF2B5EF4-FFF2-40B4-BE49-F238E27FC236}">
+                  <a16:creationId xmlns:a16="http://schemas.microsoft.com/office/drawing/2014/main" id="{C5E0C340-9A5B-4BEB-9D47-D15952EA8020}"/>
+                </a:ext>
+              </a:extLst>
+            </p:cNvPr>
+            <p:cNvSpPr txBox="1"/>
+            <p:nvPr/>
+          </p:nvSpPr>
+          <p:spPr>
+            <a:xfrm>
+              <a:off x="4384973" y="1815694"/>
+              <a:ext cx="1215397" cy="369332"/>
+            </a:xfrm>
+            <a:prstGeom prst="rect">
+              <a:avLst/>
+            </a:prstGeom>
+            <a:noFill/>
+          </p:spPr>
+          <p:txBody>
+            <a:bodyPr wrap="none" rtlCol="0">
+              <a:spAutoFit/>
+            </a:bodyPr>
+            <a:lstStyle/>
+            <a:p>
+              <a:r>
+                <a:rPr lang="en-US" altLang="zh-CN" b="1" dirty="0">
+                  <a:solidFill>
+                    <a:srgbClr val="FF0000"/>
+                  </a:solidFill>
+                </a:rPr>
+                <a:t>d, v_0, v_1</a:t>
+              </a:r>
+              <a:endParaRPr lang="zh-CN" altLang="en-US" b="1" dirty="0">
+                <a:solidFill>
+                  <a:srgbClr val="FF0000"/>
+                </a:solidFill>
+              </a:endParaRPr>
+            </a:p>
+          </p:txBody>
+        </p:sp>
+        <p:sp>
+          <p:nvSpPr>
+            <p:cNvPr id="85" name="文本框 84">
+              <a:extLst>
+                <a:ext uri="{FF2B5EF4-FFF2-40B4-BE49-F238E27FC236}">
+                  <a16:creationId xmlns:a16="http://schemas.microsoft.com/office/drawing/2014/main" id="{038EE4F9-2B19-4F4C-8B8D-BE54CD060164}"/>
+                </a:ext>
+              </a:extLst>
+            </p:cNvPr>
+            <p:cNvSpPr txBox="1"/>
+            <p:nvPr/>
+          </p:nvSpPr>
+          <p:spPr>
+            <a:xfrm>
+              <a:off x="6874011" y="1815694"/>
+              <a:ext cx="1215397" cy="369332"/>
+            </a:xfrm>
+            <a:prstGeom prst="rect">
+              <a:avLst/>
+            </a:prstGeom>
+            <a:noFill/>
+          </p:spPr>
+          <p:txBody>
+            <a:bodyPr wrap="none" rtlCol="0">
+              <a:spAutoFit/>
+            </a:bodyPr>
+            <a:lstStyle/>
+            <a:p>
+              <a:r>
+                <a:rPr lang="en-US" altLang="zh-CN" b="1" dirty="0">
+                  <a:solidFill>
+                    <a:srgbClr val="FF0000"/>
+                  </a:solidFill>
+                </a:rPr>
+                <a:t>d, v_0, v_1</a:t>
+              </a:r>
+              <a:endParaRPr lang="zh-CN" altLang="en-US" b="1" dirty="0">
+                <a:solidFill>
+                  <a:srgbClr val="FF0000"/>
+                </a:solidFill>
+              </a:endParaRPr>
+            </a:p>
+          </p:txBody>
+        </p:sp>
+        <p:sp>
+          <p:nvSpPr>
+            <p:cNvPr id="86" name="文本框 85">
+              <a:extLst>
+                <a:ext uri="{FF2B5EF4-FFF2-40B4-BE49-F238E27FC236}">
+                  <a16:creationId xmlns:a16="http://schemas.microsoft.com/office/drawing/2014/main" id="{679F5858-B209-4D27-B7DE-FFDBC87D2C36}"/>
+                </a:ext>
+              </a:extLst>
+            </p:cNvPr>
+            <p:cNvSpPr txBox="1"/>
+            <p:nvPr/>
+          </p:nvSpPr>
+          <p:spPr>
+            <a:xfrm>
+              <a:off x="3988171" y="625726"/>
+              <a:ext cx="531877" cy="369332"/>
+            </a:xfrm>
+            <a:prstGeom prst="rect">
+              <a:avLst/>
+            </a:prstGeom>
+            <a:noFill/>
+          </p:spPr>
+          <p:txBody>
+            <a:bodyPr wrap="none" rtlCol="0">
+              <a:spAutoFit/>
+            </a:bodyPr>
+            <a:lstStyle/>
+            <a:p>
+              <a:r>
+                <a:rPr lang="en-US" altLang="zh-CN" b="1" dirty="0">
+                  <a:solidFill>
+                    <a:srgbClr val="FF0000"/>
+                  </a:solidFill>
+                </a:rPr>
+                <a:t>TTC</a:t>
+              </a:r>
+              <a:endParaRPr lang="zh-CN" altLang="en-US" b="1" dirty="0">
+                <a:solidFill>
+                  <a:srgbClr val="FF0000"/>
+                </a:solidFill>
+              </a:endParaRPr>
+            </a:p>
+          </p:txBody>
+        </p:sp>
+        <p:sp>
+          <p:nvSpPr>
+            <p:cNvPr id="91" name="文本框 90">
+              <a:extLst>
+                <a:ext uri="{FF2B5EF4-FFF2-40B4-BE49-F238E27FC236}">
+                  <a16:creationId xmlns:a16="http://schemas.microsoft.com/office/drawing/2014/main" id="{730BA70A-9E25-419E-9514-081D4DF9BAAF}"/>
+                </a:ext>
+              </a:extLst>
+            </p:cNvPr>
+            <p:cNvSpPr txBox="1"/>
+            <p:nvPr/>
+          </p:nvSpPr>
+          <p:spPr>
+            <a:xfrm>
+              <a:off x="6342134" y="625726"/>
+              <a:ext cx="531877" cy="369332"/>
+            </a:xfrm>
+            <a:prstGeom prst="rect">
+              <a:avLst/>
+            </a:prstGeom>
+            <a:noFill/>
+          </p:spPr>
+          <p:txBody>
+            <a:bodyPr wrap="none" rtlCol="0">
+              <a:spAutoFit/>
+            </a:bodyPr>
+            <a:lstStyle/>
+            <a:p>
+              <a:r>
+                <a:rPr lang="en-US" altLang="zh-CN" b="1" dirty="0">
+                  <a:solidFill>
+                    <a:srgbClr val="FF0000"/>
+                  </a:solidFill>
+                </a:rPr>
+                <a:t>TTC</a:t>
+              </a:r>
+              <a:endParaRPr lang="zh-CN" altLang="en-US" b="1" dirty="0">
+                <a:solidFill>
+                  <a:srgbClr val="FF0000"/>
+                </a:solidFill>
+              </a:endParaRPr>
+            </a:p>
+          </p:txBody>
+        </p:sp>
+        <p:sp>
+          <p:nvSpPr>
+            <p:cNvPr id="92" name="文本框 91">
+              <a:extLst>
+                <a:ext uri="{FF2B5EF4-FFF2-40B4-BE49-F238E27FC236}">
+                  <a16:creationId xmlns:a16="http://schemas.microsoft.com/office/drawing/2014/main" id="{B3051821-D0C5-471E-96BD-A93327D9250F}"/>
+                </a:ext>
+              </a:extLst>
+            </p:cNvPr>
+            <p:cNvSpPr txBox="1"/>
+            <p:nvPr/>
+          </p:nvSpPr>
+          <p:spPr>
+            <a:xfrm>
+              <a:off x="8580786" y="625726"/>
+              <a:ext cx="531877" cy="369332"/>
+            </a:xfrm>
+            <a:prstGeom prst="rect">
+              <a:avLst/>
+            </a:prstGeom>
+            <a:noFill/>
+          </p:spPr>
+          <p:txBody>
+            <a:bodyPr wrap="none" rtlCol="0">
+              <a:spAutoFit/>
+            </a:bodyPr>
+            <a:lstStyle/>
+            <a:p>
+              <a:r>
+                <a:rPr lang="en-US" altLang="zh-CN" b="1" dirty="0">
+                  <a:solidFill>
+                    <a:srgbClr val="FF0000"/>
+                  </a:solidFill>
+                </a:rPr>
+                <a:t>TTC</a:t>
+              </a:r>
+              <a:endParaRPr lang="zh-CN" altLang="en-US" b="1" dirty="0">
+                <a:solidFill>
+                  <a:srgbClr val="FF0000"/>
+                </a:solidFill>
+              </a:endParaRPr>
+            </a:p>
+          </p:txBody>
+        </p:sp>
+      </p:grpSp>
+      <p:sp>
+        <p:nvSpPr>
+          <p:cNvPr id="2" name="矩形 1">
+            <a:extLst>
+              <a:ext uri="{FF2B5EF4-FFF2-40B4-BE49-F238E27FC236}">
+                <a16:creationId xmlns:a16="http://schemas.microsoft.com/office/drawing/2014/main" id="{0AF69B6F-9669-4A52-8933-7C0AF1F25532}"/>
+              </a:ext>
+            </a:extLst>
+          </p:cNvPr>
+          <p:cNvSpPr/>
+          <p:nvPr/>
+        </p:nvSpPr>
+        <p:spPr>
+          <a:xfrm>
+            <a:off x="1924379" y="2188556"/>
+            <a:ext cx="1215397" cy="369332"/>
+          </a:xfrm>
+          <a:prstGeom prst="rect">
+            <a:avLst/>
+          </a:prstGeom>
+          <a:noFill/>
+          <a:ln w="28575">
+            <a:solidFill>
+              <a:srgbClr val="00B050"/>
+            </a:solidFill>
+          </a:ln>
+        </p:spPr>
+        <p:style>
+          <a:lnRef idx="2">
+            <a:schemeClr val="accent1">
+              <a:shade val="50000"/>
+            </a:schemeClr>
+          </a:lnRef>
+          <a:fillRef idx="1">
+            <a:schemeClr val="accent1"/>
+          </a:fillRef>
+          <a:effectRef idx="0">
+            <a:schemeClr val="accent1"/>
+          </a:effectRef>
+          <a:fontRef idx="minor">
+            <a:schemeClr val="lt1"/>
+          </a:fontRef>
+        </p:style>
+        <p:txBody>
+          <a:bodyPr rtlCol="0" anchor="ctr"/>
+          <a:lstStyle/>
+          <a:p>
+            <a:pPr algn="ctr"/>
+            <a:endParaRPr lang="zh-CN" altLang="en-US"/>
+          </a:p>
+        </p:txBody>
+      </p:sp>
+      <p:sp>
+        <p:nvSpPr>
+          <p:cNvPr id="15" name="矩形 14">
+            <a:extLst>
+              <a:ext uri="{FF2B5EF4-FFF2-40B4-BE49-F238E27FC236}">
+                <a16:creationId xmlns:a16="http://schemas.microsoft.com/office/drawing/2014/main" id="{3DCEBC13-5001-47A0-AEE0-B045D0B0B9D1}"/>
+              </a:ext>
+            </a:extLst>
+          </p:cNvPr>
+          <p:cNvSpPr/>
+          <p:nvPr/>
+        </p:nvSpPr>
+        <p:spPr>
+          <a:xfrm>
+            <a:off x="3910017" y="3730946"/>
+            <a:ext cx="530915" cy="369332"/>
+          </a:xfrm>
+          <a:prstGeom prst="rect">
+            <a:avLst/>
+          </a:prstGeom>
+          <a:noFill/>
+          <a:ln w="28575">
+            <a:solidFill>
+              <a:srgbClr val="00B050"/>
+            </a:solidFill>
+          </a:ln>
+        </p:spPr>
+        <p:style>
+          <a:lnRef idx="2">
+            <a:schemeClr val="accent1">
+              <a:shade val="50000"/>
+            </a:schemeClr>
+          </a:lnRef>
+          <a:fillRef idx="1">
+            <a:schemeClr val="accent1"/>
+          </a:fillRef>
+          <a:effectRef idx="0">
+            <a:schemeClr val="accent1"/>
+          </a:effectRef>
+          <a:fontRef idx="minor">
+            <a:schemeClr val="lt1"/>
+          </a:fontRef>
+        </p:style>
+        <p:txBody>
+          <a:bodyPr rtlCol="0" anchor="ctr"/>
+          <a:lstStyle/>
+          <a:p>
+            <a:pPr algn="ctr"/>
+            <a:endParaRPr lang="zh-CN" altLang="en-US"/>
+          </a:p>
+        </p:txBody>
+      </p:sp>
+    </p:spTree>
+    <p:extLst>
+      <p:ext uri="{BB962C8B-B14F-4D97-AF65-F5344CB8AC3E}">
+        <p14:creationId xmlns:p14="http://schemas.microsoft.com/office/powerpoint/2010/main" val="1925880005"/>
+      </p:ext>
+    </p:extLst>
+  </p:cSld>
+  <p:clrMapOvr>
+    <a:masterClrMapping/>
+  </p:clrMapOvr>
+</p:sld>
+</file>
+
+<file path=ppt/slides/slide11.xml><?xml version="1.0" encoding="utf-8"?>
 <p:sld xmlns:a="http://schemas.openxmlformats.org/drawingml/2006/main" xmlns:r="http://schemas.openxmlformats.org/officeDocument/2006/relationships" xmlns:p="http://schemas.openxmlformats.org/presentationml/2006/main">
   <p:cSld>
     <p:spTree>
@@ -4391,10 +5017,671 @@
           </p:txBody>
         </p:sp>
       </p:grpSp>
+      <p:sp>
+        <p:nvSpPr>
+          <p:cNvPr id="2" name="矩形 1">
+            <a:extLst>
+              <a:ext uri="{FF2B5EF4-FFF2-40B4-BE49-F238E27FC236}">
+                <a16:creationId xmlns:a16="http://schemas.microsoft.com/office/drawing/2014/main" id="{0AF69B6F-9669-4A52-8933-7C0AF1F25532}"/>
+              </a:ext>
+            </a:extLst>
+          </p:cNvPr>
+          <p:cNvSpPr/>
+          <p:nvPr/>
+        </p:nvSpPr>
+        <p:spPr>
+          <a:xfrm>
+            <a:off x="1924379" y="2188556"/>
+            <a:ext cx="1215397" cy="369332"/>
+          </a:xfrm>
+          <a:prstGeom prst="rect">
+            <a:avLst/>
+          </a:prstGeom>
+          <a:noFill/>
+          <a:ln w="28575">
+            <a:solidFill>
+              <a:srgbClr val="00B050"/>
+            </a:solidFill>
+          </a:ln>
+        </p:spPr>
+        <p:style>
+          <a:lnRef idx="2">
+            <a:schemeClr val="accent1">
+              <a:shade val="50000"/>
+            </a:schemeClr>
+          </a:lnRef>
+          <a:fillRef idx="1">
+            <a:schemeClr val="accent1"/>
+          </a:fillRef>
+          <a:effectRef idx="0">
+            <a:schemeClr val="accent1"/>
+          </a:effectRef>
+          <a:fontRef idx="minor">
+            <a:schemeClr val="lt1"/>
+          </a:fontRef>
+        </p:style>
+        <p:txBody>
+          <a:bodyPr rtlCol="0" anchor="ctr"/>
+          <a:lstStyle/>
+          <a:p>
+            <a:pPr algn="ctr"/>
+            <a:endParaRPr lang="zh-CN" altLang="en-US"/>
+          </a:p>
+        </p:txBody>
+      </p:sp>
+      <p:sp>
+        <p:nvSpPr>
+          <p:cNvPr id="15" name="矩形 14">
+            <a:extLst>
+              <a:ext uri="{FF2B5EF4-FFF2-40B4-BE49-F238E27FC236}">
+                <a16:creationId xmlns:a16="http://schemas.microsoft.com/office/drawing/2014/main" id="{3DCEBC13-5001-47A0-AEE0-B045D0B0B9D1}"/>
+              </a:ext>
+            </a:extLst>
+          </p:cNvPr>
+          <p:cNvSpPr/>
+          <p:nvPr/>
+        </p:nvSpPr>
+        <p:spPr>
+          <a:xfrm>
+            <a:off x="3910017" y="3730946"/>
+            <a:ext cx="530915" cy="369332"/>
+          </a:xfrm>
+          <a:prstGeom prst="rect">
+            <a:avLst/>
+          </a:prstGeom>
+          <a:noFill/>
+          <a:ln w="28575">
+            <a:solidFill>
+              <a:srgbClr val="00B050"/>
+            </a:solidFill>
+          </a:ln>
+        </p:spPr>
+        <p:style>
+          <a:lnRef idx="2">
+            <a:schemeClr val="accent1">
+              <a:shade val="50000"/>
+            </a:schemeClr>
+          </a:lnRef>
+          <a:fillRef idx="1">
+            <a:schemeClr val="accent1"/>
+          </a:fillRef>
+          <a:effectRef idx="0">
+            <a:schemeClr val="accent1"/>
+          </a:effectRef>
+          <a:fontRef idx="minor">
+            <a:schemeClr val="lt1"/>
+          </a:fontRef>
+        </p:style>
+        <p:txBody>
+          <a:bodyPr rtlCol="0" anchor="ctr"/>
+          <a:lstStyle/>
+          <a:p>
+            <a:pPr algn="ctr"/>
+            <a:endParaRPr lang="zh-CN" altLang="en-US"/>
+          </a:p>
+        </p:txBody>
+      </p:sp>
+      <p:grpSp>
+        <p:nvGrpSpPr>
+          <p:cNvPr id="16" name="组合 15">
+            <a:extLst>
+              <a:ext uri="{FF2B5EF4-FFF2-40B4-BE49-F238E27FC236}">
+                <a16:creationId xmlns:a16="http://schemas.microsoft.com/office/drawing/2014/main" id="{17D2ADBB-490E-4641-86B2-100DE114FADE}"/>
+              </a:ext>
+            </a:extLst>
+          </p:cNvPr>
+          <p:cNvGrpSpPr/>
+          <p:nvPr/>
+        </p:nvGrpSpPr>
+        <p:grpSpPr>
+          <a:xfrm>
+            <a:off x="1487064" y="5417167"/>
+            <a:ext cx="2090026" cy="444624"/>
+            <a:chOff x="3355764" y="5651398"/>
+            <a:chExt cx="2090026" cy="444624"/>
+          </a:xfrm>
+        </p:grpSpPr>
+        <p:sp>
+          <p:nvSpPr>
+            <p:cNvPr id="17" name="矩形 16">
+              <a:extLst>
+                <a:ext uri="{FF2B5EF4-FFF2-40B4-BE49-F238E27FC236}">
+                  <a16:creationId xmlns:a16="http://schemas.microsoft.com/office/drawing/2014/main" id="{2B36124A-3831-4FC1-802B-40774C1BFD6D}"/>
+                </a:ext>
+              </a:extLst>
+            </p:cNvPr>
+            <p:cNvSpPr/>
+            <p:nvPr/>
+          </p:nvSpPr>
+          <p:spPr>
+            <a:xfrm>
+              <a:off x="3458685" y="5678032"/>
+              <a:ext cx="1933838" cy="369332"/>
+            </a:xfrm>
+            <a:prstGeom prst="rect">
+              <a:avLst/>
+            </a:prstGeom>
+          </p:spPr>
+          <p:txBody>
+            <a:bodyPr wrap="square">
+              <a:spAutoFit/>
+            </a:bodyPr>
+            <a:lstStyle/>
+            <a:p>
+              <a:r>
+                <a:rPr lang="en-US" altLang="zh-CN" dirty="0"/>
+                <a:t>AV’s Control (A</a:t>
+              </a:r>
+              <a:r>
+                <a:rPr lang="en-US" altLang="zh-CN" b="1" dirty="0">
+                  <a:solidFill>
+                    <a:srgbClr val="FF0000"/>
+                  </a:solidFill>
+                </a:rPr>
+                <a:t>C</a:t>
+              </a:r>
+              <a:r>
+                <a:rPr lang="en-US" altLang="zh-CN" dirty="0"/>
+                <a:t>C)</a:t>
+              </a:r>
+              <a:endParaRPr lang="zh-CN" altLang="en-US" dirty="0"/>
+            </a:p>
+          </p:txBody>
+        </p:sp>
+        <p:sp>
+          <p:nvSpPr>
+            <p:cNvPr id="18" name="矩形 17">
+              <a:extLst>
+                <a:ext uri="{FF2B5EF4-FFF2-40B4-BE49-F238E27FC236}">
+                  <a16:creationId xmlns:a16="http://schemas.microsoft.com/office/drawing/2014/main" id="{C19AD832-137C-4E1D-8758-1BF5D0F1D4DE}"/>
+                </a:ext>
+              </a:extLst>
+            </p:cNvPr>
+            <p:cNvSpPr/>
+            <p:nvPr/>
+          </p:nvSpPr>
+          <p:spPr>
+            <a:xfrm>
+              <a:off x="3355764" y="5651398"/>
+              <a:ext cx="2090026" cy="444624"/>
+            </a:xfrm>
+            <a:prstGeom prst="rect">
+              <a:avLst/>
+            </a:prstGeom>
+            <a:noFill/>
+            <a:ln w="19050">
+              <a:solidFill>
+                <a:srgbClr val="FF0000"/>
+              </a:solidFill>
+              <a:prstDash val="solid"/>
+            </a:ln>
+          </p:spPr>
+          <p:style>
+            <a:lnRef idx="2">
+              <a:schemeClr val="accent1">
+                <a:shade val="50000"/>
+              </a:schemeClr>
+            </a:lnRef>
+            <a:fillRef idx="1">
+              <a:schemeClr val="accent1"/>
+            </a:fillRef>
+            <a:effectRef idx="0">
+              <a:schemeClr val="accent1"/>
+            </a:effectRef>
+            <a:fontRef idx="minor">
+              <a:schemeClr val="lt1"/>
+            </a:fontRef>
+          </p:style>
+          <p:txBody>
+            <a:bodyPr rtlCol="0" anchor="ctr"/>
+            <a:lstStyle/>
+            <a:p>
+              <a:pPr algn="ctr"/>
+              <a:endParaRPr lang="zh-CN" altLang="en-US"/>
+            </a:p>
+          </p:txBody>
+        </p:sp>
+      </p:grpSp>
+      <p:cxnSp>
+        <p:nvCxnSpPr>
+          <p:cNvPr id="23" name="连接符: 肘形 22">
+            <a:extLst>
+              <a:ext uri="{FF2B5EF4-FFF2-40B4-BE49-F238E27FC236}">
+                <a16:creationId xmlns:a16="http://schemas.microsoft.com/office/drawing/2014/main" id="{C20E2D4E-69D6-4AA2-A112-6812AC08B0C2}"/>
+              </a:ext>
+            </a:extLst>
+          </p:cNvPr>
+          <p:cNvCxnSpPr>
+            <a:cxnSpLocks/>
+          </p:cNvCxnSpPr>
+          <p:nvPr/>
+        </p:nvCxnSpPr>
+        <p:spPr>
+          <a:xfrm rot="5400000">
+            <a:off x="3106437" y="4560722"/>
+            <a:ext cx="1548000" cy="606694"/>
+          </a:xfrm>
+          <a:prstGeom prst="bentConnector2">
+            <a:avLst/>
+          </a:prstGeom>
+          <a:ln>
+            <a:prstDash val="sysDash"/>
+            <a:tailEnd type="triangle"/>
+          </a:ln>
+        </p:spPr>
+        <p:style>
+          <a:lnRef idx="3">
+            <a:schemeClr val="dk1"/>
+          </a:lnRef>
+          <a:fillRef idx="0">
+            <a:schemeClr val="dk1"/>
+          </a:fillRef>
+          <a:effectRef idx="2">
+            <a:schemeClr val="dk1"/>
+          </a:effectRef>
+          <a:fontRef idx="minor">
+            <a:schemeClr val="tx1"/>
+          </a:fontRef>
+        </p:style>
+      </p:cxnSp>
+      <p:cxnSp>
+        <p:nvCxnSpPr>
+          <p:cNvPr id="26" name="连接符: 肘形 25">
+            <a:extLst>
+              <a:ext uri="{FF2B5EF4-FFF2-40B4-BE49-F238E27FC236}">
+                <a16:creationId xmlns:a16="http://schemas.microsoft.com/office/drawing/2014/main" id="{280FC753-64E2-4D0D-A4BB-56C94BA29169}"/>
+              </a:ext>
+            </a:extLst>
+          </p:cNvPr>
+          <p:cNvCxnSpPr>
+            <a:cxnSpLocks/>
+            <a:stCxn id="2" idx="2"/>
+            <a:endCxn id="18" idx="0"/>
+          </p:cNvCxnSpPr>
+          <p:nvPr/>
+        </p:nvCxnSpPr>
+        <p:spPr>
+          <a:xfrm rot="5400000">
+            <a:off x="1102439" y="3987527"/>
+            <a:ext cx="2859279" cy="1"/>
+          </a:xfrm>
+          <a:prstGeom prst="bentConnector3">
+            <a:avLst>
+              <a:gd name="adj1" fmla="val 50000"/>
+            </a:avLst>
+          </a:prstGeom>
+          <a:ln>
+            <a:prstDash val="sysDash"/>
+            <a:tailEnd type="triangle"/>
+          </a:ln>
+        </p:spPr>
+        <p:style>
+          <a:lnRef idx="3">
+            <a:schemeClr val="dk1"/>
+          </a:lnRef>
+          <a:fillRef idx="0">
+            <a:schemeClr val="dk1"/>
+          </a:fillRef>
+          <a:effectRef idx="2">
+            <a:schemeClr val="dk1"/>
+          </a:effectRef>
+          <a:fontRef idx="minor">
+            <a:schemeClr val="tx1"/>
+          </a:fontRef>
+        </p:style>
+      </p:cxnSp>
+      <p:cxnSp>
+        <p:nvCxnSpPr>
+          <p:cNvPr id="29" name="连接符: 肘形 28">
+            <a:extLst>
+              <a:ext uri="{FF2B5EF4-FFF2-40B4-BE49-F238E27FC236}">
+                <a16:creationId xmlns:a16="http://schemas.microsoft.com/office/drawing/2014/main" id="{0EFABAEA-FE89-432F-AA58-348010083736}"/>
+              </a:ext>
+            </a:extLst>
+          </p:cNvPr>
+          <p:cNvCxnSpPr>
+            <a:cxnSpLocks/>
+            <a:stCxn id="24" idx="0"/>
+            <a:endCxn id="20" idx="0"/>
+          </p:cNvCxnSpPr>
+          <p:nvPr/>
+        </p:nvCxnSpPr>
+        <p:spPr>
+          <a:xfrm rot="5400000" flipH="1" flipV="1">
+            <a:off x="1082068" y="2433555"/>
+            <a:ext cx="2815389" cy="3226439"/>
+          </a:xfrm>
+          <a:prstGeom prst="bentConnector3">
+            <a:avLst>
+              <a:gd name="adj1" fmla="val 159203"/>
+            </a:avLst>
+          </a:prstGeom>
+          <a:ln>
+            <a:prstDash val="sysDash"/>
+            <a:tailEnd type="triangle"/>
+          </a:ln>
+        </p:spPr>
+        <p:style>
+          <a:lnRef idx="3">
+            <a:schemeClr val="dk1"/>
+          </a:lnRef>
+          <a:fillRef idx="0">
+            <a:schemeClr val="dk1"/>
+          </a:fillRef>
+          <a:effectRef idx="2">
+            <a:schemeClr val="dk1"/>
+          </a:effectRef>
+          <a:fontRef idx="minor">
+            <a:schemeClr val="tx1"/>
+          </a:fontRef>
+        </p:style>
+      </p:cxnSp>
+      <p:grpSp>
+        <p:nvGrpSpPr>
+          <p:cNvPr id="3" name="组合 2">
+            <a:extLst>
+              <a:ext uri="{FF2B5EF4-FFF2-40B4-BE49-F238E27FC236}">
+                <a16:creationId xmlns:a16="http://schemas.microsoft.com/office/drawing/2014/main" id="{6F9937F3-4737-40F0-A045-A0C149036A51}"/>
+              </a:ext>
+            </a:extLst>
+          </p:cNvPr>
+          <p:cNvGrpSpPr/>
+          <p:nvPr/>
+        </p:nvGrpSpPr>
+        <p:grpSpPr>
+          <a:xfrm>
+            <a:off x="611085" y="5454468"/>
+            <a:ext cx="538570" cy="369332"/>
+            <a:chOff x="4564621" y="6021059"/>
+            <a:chExt cx="538570" cy="369332"/>
+          </a:xfrm>
+        </p:grpSpPr>
+        <p:sp>
+          <p:nvSpPr>
+            <p:cNvPr id="22" name="文本框 21">
+              <a:extLst>
+                <a:ext uri="{FF2B5EF4-FFF2-40B4-BE49-F238E27FC236}">
+                  <a16:creationId xmlns:a16="http://schemas.microsoft.com/office/drawing/2014/main" id="{A0BA7FC9-5B9B-4ACB-8DE4-4E22771A6387}"/>
+                </a:ext>
+              </a:extLst>
+            </p:cNvPr>
+            <p:cNvSpPr txBox="1"/>
+            <p:nvPr/>
+          </p:nvSpPr>
+          <p:spPr>
+            <a:xfrm>
+              <a:off x="4572276" y="6021059"/>
+              <a:ext cx="530915" cy="369332"/>
+            </a:xfrm>
+            <a:prstGeom prst="rect">
+              <a:avLst/>
+            </a:prstGeom>
+            <a:noFill/>
+          </p:spPr>
+          <p:txBody>
+            <a:bodyPr wrap="none" rtlCol="0">
+              <a:spAutoFit/>
+            </a:bodyPr>
+            <a:lstStyle/>
+            <a:p>
+              <a:r>
+                <a:rPr lang="en-US" altLang="zh-CN" b="1" dirty="0">
+                  <a:solidFill>
+                    <a:srgbClr val="FF0000"/>
+                  </a:solidFill>
+                </a:rPr>
+                <a:t>a_1</a:t>
+              </a:r>
+              <a:endParaRPr lang="zh-CN" altLang="en-US" b="1" dirty="0">
+                <a:solidFill>
+                  <a:srgbClr val="FF0000"/>
+                </a:solidFill>
+              </a:endParaRPr>
+            </a:p>
+          </p:txBody>
+        </p:sp>
+        <p:sp>
+          <p:nvSpPr>
+            <p:cNvPr id="24" name="矩形 23">
+              <a:extLst>
+                <a:ext uri="{FF2B5EF4-FFF2-40B4-BE49-F238E27FC236}">
+                  <a16:creationId xmlns:a16="http://schemas.microsoft.com/office/drawing/2014/main" id="{0CCBD342-9E25-494F-BE99-E5265736D23B}"/>
+                </a:ext>
+              </a:extLst>
+            </p:cNvPr>
+            <p:cNvSpPr/>
+            <p:nvPr/>
+          </p:nvSpPr>
+          <p:spPr>
+            <a:xfrm>
+              <a:off x="4564621" y="6021059"/>
+              <a:ext cx="530915" cy="369332"/>
+            </a:xfrm>
+            <a:prstGeom prst="rect">
+              <a:avLst/>
+            </a:prstGeom>
+            <a:noFill/>
+            <a:ln w="28575">
+              <a:solidFill>
+                <a:srgbClr val="00B050"/>
+              </a:solidFill>
+            </a:ln>
+          </p:spPr>
+          <p:style>
+            <a:lnRef idx="2">
+              <a:schemeClr val="accent1">
+                <a:shade val="50000"/>
+              </a:schemeClr>
+            </a:lnRef>
+            <a:fillRef idx="1">
+              <a:schemeClr val="accent1"/>
+            </a:fillRef>
+            <a:effectRef idx="0">
+              <a:schemeClr val="accent1"/>
+            </a:effectRef>
+            <a:fontRef idx="minor">
+              <a:schemeClr val="lt1"/>
+            </a:fontRef>
+          </p:style>
+          <p:txBody>
+            <a:bodyPr rtlCol="0" anchor="ctr"/>
+            <a:lstStyle/>
+            <a:p>
+              <a:pPr algn="ctr"/>
+              <a:endParaRPr lang="zh-CN" altLang="en-US"/>
+            </a:p>
+          </p:txBody>
+        </p:sp>
+      </p:grpSp>
+      <p:sp>
+        <p:nvSpPr>
+          <p:cNvPr id="20" name="矩形 19">
+            <a:extLst>
+              <a:ext uri="{FF2B5EF4-FFF2-40B4-BE49-F238E27FC236}">
+                <a16:creationId xmlns:a16="http://schemas.microsoft.com/office/drawing/2014/main" id="{70BC1439-CA6F-4BEE-9EAD-0766C8746D74}"/>
+              </a:ext>
+            </a:extLst>
+          </p:cNvPr>
+          <p:cNvSpPr/>
+          <p:nvPr/>
+        </p:nvSpPr>
+        <p:spPr>
+          <a:xfrm>
+            <a:off x="3799643" y="2639079"/>
+            <a:ext cx="606678" cy="369332"/>
+          </a:xfrm>
+          <a:prstGeom prst="rect">
+            <a:avLst/>
+          </a:prstGeom>
+          <a:noFill/>
+        </p:spPr>
+        <p:style>
+          <a:lnRef idx="2">
+            <a:schemeClr val="accent1">
+              <a:shade val="50000"/>
+            </a:schemeClr>
+          </a:lnRef>
+          <a:fillRef idx="1">
+            <a:schemeClr val="accent1"/>
+          </a:fillRef>
+          <a:effectRef idx="0">
+            <a:schemeClr val="accent1"/>
+          </a:effectRef>
+          <a:fontRef idx="minor">
+            <a:schemeClr val="lt1"/>
+          </a:fontRef>
+        </p:style>
+        <p:txBody>
+          <a:bodyPr rtlCol="0" anchor="ctr"/>
+          <a:lstStyle/>
+          <a:p>
+            <a:pPr algn="ctr"/>
+            <a:endParaRPr lang="zh-CN" altLang="en-US"/>
+          </a:p>
+        </p:txBody>
+      </p:sp>
+      <p:cxnSp>
+        <p:nvCxnSpPr>
+          <p:cNvPr id="39" name="连接符: 肘形 38">
+            <a:extLst>
+              <a:ext uri="{FF2B5EF4-FFF2-40B4-BE49-F238E27FC236}">
+                <a16:creationId xmlns:a16="http://schemas.microsoft.com/office/drawing/2014/main" id="{17E0358B-7DFA-4C5E-918B-31C4F63FAF79}"/>
+              </a:ext>
+            </a:extLst>
+          </p:cNvPr>
+          <p:cNvCxnSpPr>
+            <a:cxnSpLocks/>
+            <a:stCxn id="18" idx="1"/>
+            <a:endCxn id="24" idx="3"/>
+          </p:cNvCxnSpPr>
+          <p:nvPr/>
+        </p:nvCxnSpPr>
+        <p:spPr>
+          <a:xfrm rot="10800000">
+            <a:off x="1142000" y="5639135"/>
+            <a:ext cx="345064" cy="345"/>
+          </a:xfrm>
+          <a:prstGeom prst="bentConnector3">
+            <a:avLst>
+              <a:gd name="adj1" fmla="val 50000"/>
+            </a:avLst>
+          </a:prstGeom>
+          <a:ln>
+            <a:prstDash val="sysDash"/>
+            <a:tailEnd type="triangle"/>
+          </a:ln>
+        </p:spPr>
+        <p:style>
+          <a:lnRef idx="3">
+            <a:schemeClr val="dk1"/>
+          </a:lnRef>
+          <a:fillRef idx="0">
+            <a:schemeClr val="dk1"/>
+          </a:fillRef>
+          <a:effectRef idx="2">
+            <a:schemeClr val="dk1"/>
+          </a:effectRef>
+          <a:fontRef idx="minor">
+            <a:schemeClr val="tx1"/>
+          </a:fontRef>
+        </p:style>
+      </p:cxnSp>
+      <p:cxnSp>
+        <p:nvCxnSpPr>
+          <p:cNvPr id="43" name="连接符: 肘形 42">
+            <a:extLst>
+              <a:ext uri="{FF2B5EF4-FFF2-40B4-BE49-F238E27FC236}">
+                <a16:creationId xmlns:a16="http://schemas.microsoft.com/office/drawing/2014/main" id="{2C0EE43B-B5FA-4EB1-B544-2C3BAF54DE89}"/>
+              </a:ext>
+            </a:extLst>
+          </p:cNvPr>
+          <p:cNvCxnSpPr>
+            <a:cxnSpLocks/>
+            <a:stCxn id="2" idx="0"/>
+            <a:endCxn id="20" idx="0"/>
+          </p:cNvCxnSpPr>
+          <p:nvPr/>
+        </p:nvCxnSpPr>
+        <p:spPr>
+          <a:xfrm rot="16200000" flipH="1">
+            <a:off x="3092268" y="1628365"/>
+            <a:ext cx="450523" cy="1570904"/>
+          </a:xfrm>
+          <a:prstGeom prst="bentConnector3">
+            <a:avLst>
+              <a:gd name="adj1" fmla="val -50741"/>
+            </a:avLst>
+          </a:prstGeom>
+          <a:ln>
+            <a:prstDash val="sysDash"/>
+            <a:tailEnd type="triangle"/>
+          </a:ln>
+        </p:spPr>
+        <p:style>
+          <a:lnRef idx="3">
+            <a:schemeClr val="dk1"/>
+          </a:lnRef>
+          <a:fillRef idx="0">
+            <a:schemeClr val="dk1"/>
+          </a:fillRef>
+          <a:effectRef idx="2">
+            <a:schemeClr val="dk1"/>
+          </a:effectRef>
+          <a:fontRef idx="minor">
+            <a:schemeClr val="tx1"/>
+          </a:fontRef>
+        </p:style>
+      </p:cxnSp>
+      <p:cxnSp>
+        <p:nvCxnSpPr>
+          <p:cNvPr id="46" name="连接符: 肘形 45">
+            <a:extLst>
+              <a:ext uri="{FF2B5EF4-FFF2-40B4-BE49-F238E27FC236}">
+                <a16:creationId xmlns:a16="http://schemas.microsoft.com/office/drawing/2014/main" id="{73837D81-7E19-4641-9765-2CC3157F10BF}"/>
+              </a:ext>
+            </a:extLst>
+          </p:cNvPr>
+          <p:cNvCxnSpPr>
+            <a:cxnSpLocks/>
+            <a:stCxn id="63" idx="0"/>
+            <a:endCxn id="20" idx="2"/>
+          </p:cNvCxnSpPr>
+          <p:nvPr/>
+        </p:nvCxnSpPr>
+        <p:spPr>
+          <a:xfrm rot="16200000" flipV="1">
+            <a:off x="3786417" y="3324977"/>
+            <a:ext cx="705625" cy="72493"/>
+          </a:xfrm>
+          <a:prstGeom prst="bentConnector3">
+            <a:avLst>
+              <a:gd name="adj1" fmla="val 50000"/>
+            </a:avLst>
+          </a:prstGeom>
+          <a:ln>
+            <a:prstDash val="sysDash"/>
+            <a:tailEnd type="triangle"/>
+          </a:ln>
+        </p:spPr>
+        <p:style>
+          <a:lnRef idx="3">
+            <a:schemeClr val="dk1"/>
+          </a:lnRef>
+          <a:fillRef idx="0">
+            <a:schemeClr val="dk1"/>
+          </a:fillRef>
+          <a:effectRef idx="2">
+            <a:schemeClr val="dk1"/>
+          </a:effectRef>
+          <a:fontRef idx="minor">
+            <a:schemeClr val="tx1"/>
+          </a:fontRef>
+        </p:style>
+      </p:cxnSp>
     </p:spTree>
     <p:extLst>
       <p:ext uri="{BB962C8B-B14F-4D97-AF65-F5344CB8AC3E}">
-        <p14:creationId xmlns:p14="http://schemas.microsoft.com/office/powerpoint/2010/main" val="1925880005"/>
+        <p14:creationId xmlns:p14="http://schemas.microsoft.com/office/powerpoint/2010/main" val="4234377283"/>
       </p:ext>
     </p:extLst>
   </p:cSld>
@@ -15373,48 +16660,6 @@
           </p:txBody>
         </p:sp>
       </p:grpSp>
-      <p:sp>
-        <p:nvSpPr>
-          <p:cNvPr id="115" name="文本框 114">
-            <a:extLst>
-              <a:ext uri="{FF2B5EF4-FFF2-40B4-BE49-F238E27FC236}">
-                <a16:creationId xmlns:a16="http://schemas.microsoft.com/office/drawing/2014/main" id="{89E18F9A-4AE3-4DE7-8CB1-F235976509C6}"/>
-              </a:ext>
-            </a:extLst>
-          </p:cNvPr>
-          <p:cNvSpPr txBox="1"/>
-          <p:nvPr/>
-        </p:nvSpPr>
-        <p:spPr>
-          <a:xfrm>
-            <a:off x="7623328" y="3650351"/>
-            <a:ext cx="2197589" cy="646331"/>
-          </a:xfrm>
-          <a:prstGeom prst="rect">
-            <a:avLst/>
-          </a:prstGeom>
-          <a:noFill/>
-        </p:spPr>
-        <p:txBody>
-          <a:bodyPr wrap="none" rtlCol="0">
-            <a:spAutoFit/>
-          </a:bodyPr>
-          <a:lstStyle/>
-          <a:p>
-            <a:r>
-              <a:rPr lang="en-US" altLang="zh-CN" dirty="0"/>
-              <a:t>training</a:t>
-            </a:r>
-          </a:p>
-          <a:p>
-            <a:r>
-              <a:rPr lang="en-US" altLang="zh-CN" dirty="0"/>
-              <a:t>(obj: min |CM-RCM|)</a:t>
-            </a:r>
-            <a:endParaRPr lang="zh-CN" altLang="en-US" dirty="0"/>
-          </a:p>
-        </p:txBody>
-      </p:sp>
       <p:grpSp>
         <p:nvGrpSpPr>
           <p:cNvPr id="23" name="组合 22">
@@ -15521,95 +16766,6 @@
           </p:txBody>
         </p:sp>
       </p:grpSp>
-      <p:cxnSp>
-        <p:nvCxnSpPr>
-          <p:cNvPr id="119" name="连接符: 肘形 118">
-            <a:extLst>
-              <a:ext uri="{FF2B5EF4-FFF2-40B4-BE49-F238E27FC236}">
-                <a16:creationId xmlns:a16="http://schemas.microsoft.com/office/drawing/2014/main" id="{CE627E06-93F5-491D-B38E-7E017A6475EF}"/>
-              </a:ext>
-            </a:extLst>
-          </p:cNvPr>
-          <p:cNvCxnSpPr>
-            <a:cxnSpLocks/>
-            <a:stCxn id="81" idx="3"/>
-            <a:endCxn id="52" idx="3"/>
-          </p:cNvCxnSpPr>
-          <p:nvPr/>
-        </p:nvCxnSpPr>
-        <p:spPr>
-          <a:xfrm flipH="1" flipV="1">
-            <a:off x="3101448" y="2353001"/>
-            <a:ext cx="8279366" cy="468815"/>
-          </a:xfrm>
-          <a:prstGeom prst="bentConnector4">
-            <a:avLst>
-              <a:gd name="adj1" fmla="val -2761"/>
-              <a:gd name="adj2" fmla="val 505234"/>
-            </a:avLst>
-          </a:prstGeom>
-          <a:ln>
-            <a:prstDash val="sysDash"/>
-            <a:tailEnd type="triangle"/>
-          </a:ln>
-        </p:spPr>
-        <p:style>
-          <a:lnRef idx="3">
-            <a:schemeClr val="dk1"/>
-          </a:lnRef>
-          <a:fillRef idx="0">
-            <a:schemeClr val="dk1"/>
-          </a:fillRef>
-          <a:effectRef idx="2">
-            <a:schemeClr val="dk1"/>
-          </a:effectRef>
-          <a:fontRef idx="minor">
-            <a:schemeClr val="tx1"/>
-          </a:fontRef>
-        </p:style>
-      </p:cxnSp>
-      <p:sp>
-        <p:nvSpPr>
-          <p:cNvPr id="120" name="文本框 119">
-            <a:extLst>
-              <a:ext uri="{FF2B5EF4-FFF2-40B4-BE49-F238E27FC236}">
-                <a16:creationId xmlns:a16="http://schemas.microsoft.com/office/drawing/2014/main" id="{F8D40283-37A9-4D76-BD6B-88C31B4D8BB3}"/>
-              </a:ext>
-            </a:extLst>
-          </p:cNvPr>
-          <p:cNvSpPr txBox="1"/>
-          <p:nvPr/>
-        </p:nvSpPr>
-        <p:spPr>
-          <a:xfrm>
-            <a:off x="2440775" y="3620928"/>
-            <a:ext cx="1505027" cy="646331"/>
-          </a:xfrm>
-          <a:prstGeom prst="rect">
-            <a:avLst/>
-          </a:prstGeom>
-          <a:noFill/>
-        </p:spPr>
-        <p:txBody>
-          <a:bodyPr wrap="none" rtlCol="0">
-            <a:spAutoFit/>
-          </a:bodyPr>
-          <a:lstStyle/>
-          <a:p>
-            <a:r>
-              <a:rPr lang="en-US" altLang="zh-CN" dirty="0"/>
-              <a:t>training </a:t>
-            </a:r>
-          </a:p>
-          <a:p>
-            <a:r>
-              <a:rPr lang="en-US" altLang="zh-CN" dirty="0"/>
-              <a:t>(obj: max CM)</a:t>
-            </a:r>
-            <a:endParaRPr lang="zh-CN" altLang="en-US" dirty="0"/>
-          </a:p>
-        </p:txBody>
-      </p:sp>
       <p:grpSp>
         <p:nvGrpSpPr>
           <p:cNvPr id="32" name="组合 31">
@@ -17020,7 +18176,7 @@
         </p:nvCxnSpPr>
         <p:spPr>
           <a:xfrm>
-            <a:off x="8726474" y="5299529"/>
+            <a:off x="8788620" y="5388309"/>
             <a:ext cx="411071" cy="0"/>
           </a:xfrm>
           <a:prstGeom prst="straightConnector1">
@@ -17059,7 +18215,7 @@
         </p:nvGrpSpPr>
         <p:grpSpPr>
           <a:xfrm>
-            <a:off x="7342645" y="4916427"/>
+            <a:off x="7342645" y="5005207"/>
             <a:ext cx="1201807" cy="757254"/>
             <a:chOff x="6461758" y="5877935"/>
             <a:chExt cx="1201807" cy="757254"/>
@@ -19010,170 +20166,6 @@
           </p:txBody>
         </p:sp>
       </p:grpSp>
-      <p:cxnSp>
-        <p:nvCxnSpPr>
-          <p:cNvPr id="90" name="直接箭头连接符 89">
-            <a:extLst>
-              <a:ext uri="{FF2B5EF4-FFF2-40B4-BE49-F238E27FC236}">
-                <a16:creationId xmlns:a16="http://schemas.microsoft.com/office/drawing/2014/main" id="{4898A9B7-D14D-4D1D-B3BD-5A4855C7C724}"/>
-              </a:ext>
-            </a:extLst>
-          </p:cNvPr>
-          <p:cNvCxnSpPr>
-            <a:cxnSpLocks/>
-          </p:cNvCxnSpPr>
-          <p:nvPr/>
-        </p:nvCxnSpPr>
-        <p:spPr>
-          <a:xfrm>
-            <a:off x="8726474" y="5299529"/>
-            <a:ext cx="411071" cy="0"/>
-          </a:xfrm>
-          <a:prstGeom prst="straightConnector1">
-            <a:avLst/>
-          </a:prstGeom>
-          <a:ln w="38100">
-            <a:tailEnd type="triangle"/>
-          </a:ln>
-        </p:spPr>
-        <p:style>
-          <a:lnRef idx="3">
-            <a:schemeClr val="dk1"/>
-          </a:lnRef>
-          <a:fillRef idx="0">
-            <a:schemeClr val="dk1"/>
-          </a:fillRef>
-          <a:effectRef idx="2">
-            <a:schemeClr val="dk1"/>
-          </a:effectRef>
-          <a:fontRef idx="minor">
-            <a:schemeClr val="tx1"/>
-          </a:fontRef>
-        </p:style>
-      </p:cxnSp>
-      <p:grpSp>
-        <p:nvGrpSpPr>
-          <p:cNvPr id="28" name="组合 27">
-            <a:extLst>
-              <a:ext uri="{FF2B5EF4-FFF2-40B4-BE49-F238E27FC236}">
-                <a16:creationId xmlns:a16="http://schemas.microsoft.com/office/drawing/2014/main" id="{5950DF44-F330-423F-8682-BB1053E8E1FD}"/>
-              </a:ext>
-            </a:extLst>
-          </p:cNvPr>
-          <p:cNvGrpSpPr/>
-          <p:nvPr/>
-        </p:nvGrpSpPr>
-        <p:grpSpPr>
-          <a:xfrm>
-            <a:off x="7342645" y="4916427"/>
-            <a:ext cx="1201807" cy="757254"/>
-            <a:chOff x="6461758" y="5877935"/>
-            <a:chExt cx="1201807" cy="757254"/>
-          </a:xfrm>
-        </p:grpSpPr>
-        <p:sp>
-          <p:nvSpPr>
-            <p:cNvPr id="84" name="矩形 83">
-              <a:extLst>
-                <a:ext uri="{FF2B5EF4-FFF2-40B4-BE49-F238E27FC236}">
-                  <a16:creationId xmlns:a16="http://schemas.microsoft.com/office/drawing/2014/main" id="{FA890F9C-4444-4EE9-8B26-6449FD11C965}"/>
-                </a:ext>
-              </a:extLst>
-            </p:cNvPr>
-            <p:cNvSpPr/>
-            <p:nvPr/>
-          </p:nvSpPr>
-          <p:spPr>
-            <a:xfrm>
-              <a:off x="6461758" y="5877935"/>
-              <a:ext cx="1201807" cy="757254"/>
-            </a:xfrm>
-            <a:prstGeom prst="rect">
-              <a:avLst/>
-            </a:prstGeom>
-            <a:noFill/>
-            <a:ln w="19050">
-              <a:solidFill>
-                <a:srgbClr val="0070C0"/>
-              </a:solidFill>
-              <a:prstDash val="solid"/>
-            </a:ln>
-          </p:spPr>
-          <p:style>
-            <a:lnRef idx="2">
-              <a:schemeClr val="accent1">
-                <a:shade val="50000"/>
-              </a:schemeClr>
-            </a:lnRef>
-            <a:fillRef idx="1">
-              <a:schemeClr val="accent1"/>
-            </a:fillRef>
-            <a:effectRef idx="0">
-              <a:schemeClr val="accent1"/>
-            </a:effectRef>
-            <a:fontRef idx="minor">
-              <a:schemeClr val="lt1"/>
-            </a:fontRef>
-          </p:style>
-          <p:txBody>
-            <a:bodyPr rot="0" spcFirstLastPara="0" vertOverflow="overflow" horzOverflow="overflow" vert="horz" wrap="square" lIns="91440" tIns="45720" rIns="91440" bIns="45720" numCol="1" spcCol="0" rtlCol="0" fromWordArt="0" anchor="ctr" anchorCtr="0" forceAA="0" compatLnSpc="1">
-              <a:prstTxWarp prst="textNoShape">
-                <a:avLst/>
-              </a:prstTxWarp>
-              <a:noAutofit/>
-            </a:bodyPr>
-            <a:lstStyle/>
-            <a:p>
-              <a:pPr algn="ctr"/>
-              <a:endParaRPr lang="zh-CN" altLang="en-US"/>
-            </a:p>
-          </p:txBody>
-        </p:sp>
-        <p:sp>
-          <p:nvSpPr>
-            <p:cNvPr id="100" name="文本框 99">
-              <a:extLst>
-                <a:ext uri="{FF2B5EF4-FFF2-40B4-BE49-F238E27FC236}">
-                  <a16:creationId xmlns:a16="http://schemas.microsoft.com/office/drawing/2014/main" id="{70A66B73-FA8D-4127-B1D1-0C1F460BA4A3}"/>
-                </a:ext>
-              </a:extLst>
-            </p:cNvPr>
-            <p:cNvSpPr txBox="1"/>
-            <p:nvPr/>
-          </p:nvSpPr>
-          <p:spPr>
-            <a:xfrm>
-              <a:off x="6470863" y="5913534"/>
-              <a:ext cx="1148312" cy="646331"/>
-            </a:xfrm>
-            <a:prstGeom prst="rect">
-              <a:avLst/>
-            </a:prstGeom>
-            <a:noFill/>
-          </p:spPr>
-          <p:txBody>
-            <a:bodyPr wrap="square" rtlCol="0">
-              <a:spAutoFit/>
-            </a:bodyPr>
-            <a:lstStyle/>
-            <a:p>
-              <a:pPr algn="ctr"/>
-              <a:r>
-                <a:rPr lang="en-US" altLang="zh-CN" dirty="0"/>
-                <a:t>Real</a:t>
-              </a:r>
-            </a:p>
-            <a:p>
-              <a:pPr algn="ctr"/>
-              <a:r>
-                <a:rPr lang="en-US" altLang="zh-CN" dirty="0"/>
-                <a:t>Simulator</a:t>
-              </a:r>
-              <a:endParaRPr lang="zh-CN" altLang="en-US" dirty="0"/>
-            </a:p>
-          </p:txBody>
-        </p:sp>
-      </p:grpSp>
       <p:grpSp>
         <p:nvGrpSpPr>
           <p:cNvPr id="5" name="组合 4">
@@ -20000,7 +20992,7 @@
         <p:spPr>
           <a:xfrm>
             <a:off x="4987486" y="3612054"/>
-            <a:ext cx="1416926" cy="369332"/>
+            <a:ext cx="1447769" cy="646331"/>
           </a:xfrm>
           <a:prstGeom prst="rect">
             <a:avLst/>
@@ -20019,43 +21011,9 @@
                   <a:srgbClr val="FF0000"/>
                 </a:solidFill>
               </a:rPr>
-              <a:t>car following</a:t>
+              <a:t>AV: following</a:t>
             </a:r>
-            <a:endParaRPr lang="zh-CN" altLang="en-US" b="1" dirty="0">
-              <a:solidFill>
-                <a:srgbClr val="FF0000"/>
-              </a:solidFill>
-            </a:endParaRPr>
-          </a:p>
-        </p:txBody>
-      </p:sp>
-      <p:sp>
-        <p:nvSpPr>
-          <p:cNvPr id="71" name="文本框 70">
-            <a:extLst>
-              <a:ext uri="{FF2B5EF4-FFF2-40B4-BE49-F238E27FC236}">
-                <a16:creationId xmlns:a16="http://schemas.microsoft.com/office/drawing/2014/main" id="{CB75C206-AA97-405E-9F58-7A1A3B7978F8}"/>
-              </a:ext>
-            </a:extLst>
-          </p:cNvPr>
-          <p:cNvSpPr txBox="1"/>
-          <p:nvPr/>
-        </p:nvSpPr>
-        <p:spPr>
-          <a:xfrm>
-            <a:off x="4980860" y="4488004"/>
-            <a:ext cx="1490473" cy="369332"/>
-          </a:xfrm>
-          <a:prstGeom prst="rect">
-            <a:avLst/>
-          </a:prstGeom>
-          <a:noFill/>
-        </p:spPr>
-        <p:txBody>
-          <a:bodyPr wrap="none" rtlCol="0">
-            <a:spAutoFit/>
-          </a:bodyPr>
-          <a:lstStyle/>
+          </a:p>
           <a:p>
             <a:r>
               <a:rPr lang="en-US" altLang="zh-CN" b="1" dirty="0">
@@ -20063,7 +21021,7 @@
                   <a:srgbClr val="FF0000"/>
                 </a:solidFill>
               </a:rPr>
-              <a:t>stable(TTC&gt;n)</a:t>
+              <a:t>BV: a0, t</a:t>
             </a:r>
             <a:endParaRPr lang="zh-CN" altLang="en-US" b="1" dirty="0">
               <a:solidFill>
@@ -20229,6 +21187,170 @@
           </a:p>
         </p:txBody>
       </p:sp>
+      <p:cxnSp>
+        <p:nvCxnSpPr>
+          <p:cNvPr id="61" name="直接箭头连接符 60">
+            <a:extLst>
+              <a:ext uri="{FF2B5EF4-FFF2-40B4-BE49-F238E27FC236}">
+                <a16:creationId xmlns:a16="http://schemas.microsoft.com/office/drawing/2014/main" id="{3770FB36-D261-408C-8BEF-966BCECDCF42}"/>
+              </a:ext>
+            </a:extLst>
+          </p:cNvPr>
+          <p:cNvCxnSpPr>
+            <a:cxnSpLocks/>
+          </p:cNvCxnSpPr>
+          <p:nvPr/>
+        </p:nvCxnSpPr>
+        <p:spPr>
+          <a:xfrm>
+            <a:off x="8788620" y="5388309"/>
+            <a:ext cx="411071" cy="0"/>
+          </a:xfrm>
+          <a:prstGeom prst="straightConnector1">
+            <a:avLst/>
+          </a:prstGeom>
+          <a:ln w="38100">
+            <a:tailEnd type="triangle"/>
+          </a:ln>
+        </p:spPr>
+        <p:style>
+          <a:lnRef idx="3">
+            <a:schemeClr val="dk1"/>
+          </a:lnRef>
+          <a:fillRef idx="0">
+            <a:schemeClr val="dk1"/>
+          </a:fillRef>
+          <a:effectRef idx="2">
+            <a:schemeClr val="dk1"/>
+          </a:effectRef>
+          <a:fontRef idx="minor">
+            <a:schemeClr val="tx1"/>
+          </a:fontRef>
+        </p:style>
+      </p:cxnSp>
+      <p:grpSp>
+        <p:nvGrpSpPr>
+          <p:cNvPr id="63" name="组合 62">
+            <a:extLst>
+              <a:ext uri="{FF2B5EF4-FFF2-40B4-BE49-F238E27FC236}">
+                <a16:creationId xmlns:a16="http://schemas.microsoft.com/office/drawing/2014/main" id="{7B9D4260-2836-48D8-84CA-005E318DDDE4}"/>
+              </a:ext>
+            </a:extLst>
+          </p:cNvPr>
+          <p:cNvGrpSpPr/>
+          <p:nvPr/>
+        </p:nvGrpSpPr>
+        <p:grpSpPr>
+          <a:xfrm>
+            <a:off x="7342645" y="5005207"/>
+            <a:ext cx="1201807" cy="757254"/>
+            <a:chOff x="6461758" y="5877935"/>
+            <a:chExt cx="1201807" cy="757254"/>
+          </a:xfrm>
+        </p:grpSpPr>
+        <p:sp>
+          <p:nvSpPr>
+            <p:cNvPr id="64" name="矩形 63">
+              <a:extLst>
+                <a:ext uri="{FF2B5EF4-FFF2-40B4-BE49-F238E27FC236}">
+                  <a16:creationId xmlns:a16="http://schemas.microsoft.com/office/drawing/2014/main" id="{730A14DA-6004-4289-BB73-06E66E1FC836}"/>
+                </a:ext>
+              </a:extLst>
+            </p:cNvPr>
+            <p:cNvSpPr/>
+            <p:nvPr/>
+          </p:nvSpPr>
+          <p:spPr>
+            <a:xfrm>
+              <a:off x="6461758" y="5877935"/>
+              <a:ext cx="1201807" cy="757254"/>
+            </a:xfrm>
+            <a:prstGeom prst="rect">
+              <a:avLst/>
+            </a:prstGeom>
+            <a:noFill/>
+            <a:ln w="19050">
+              <a:solidFill>
+                <a:srgbClr val="0070C0"/>
+              </a:solidFill>
+              <a:prstDash val="solid"/>
+            </a:ln>
+          </p:spPr>
+          <p:style>
+            <a:lnRef idx="2">
+              <a:schemeClr val="accent1">
+                <a:shade val="50000"/>
+              </a:schemeClr>
+            </a:lnRef>
+            <a:fillRef idx="1">
+              <a:schemeClr val="accent1"/>
+            </a:fillRef>
+            <a:effectRef idx="0">
+              <a:schemeClr val="accent1"/>
+            </a:effectRef>
+            <a:fontRef idx="minor">
+              <a:schemeClr val="lt1"/>
+            </a:fontRef>
+          </p:style>
+          <p:txBody>
+            <a:bodyPr rot="0" spcFirstLastPara="0" vertOverflow="overflow" horzOverflow="overflow" vert="horz" wrap="square" lIns="91440" tIns="45720" rIns="91440" bIns="45720" numCol="1" spcCol="0" rtlCol="0" fromWordArt="0" anchor="ctr" anchorCtr="0" forceAA="0" compatLnSpc="1">
+              <a:prstTxWarp prst="textNoShape">
+                <a:avLst/>
+              </a:prstTxWarp>
+              <a:noAutofit/>
+            </a:bodyPr>
+            <a:lstStyle/>
+            <a:p>
+              <a:pPr algn="ctr"/>
+              <a:endParaRPr lang="zh-CN" altLang="en-US"/>
+            </a:p>
+          </p:txBody>
+        </p:sp>
+        <p:sp>
+          <p:nvSpPr>
+            <p:cNvPr id="65" name="文本框 64">
+              <a:extLst>
+                <a:ext uri="{FF2B5EF4-FFF2-40B4-BE49-F238E27FC236}">
+                  <a16:creationId xmlns:a16="http://schemas.microsoft.com/office/drawing/2014/main" id="{590DC2CF-6E36-423E-A2EA-02EDE9BB2463}"/>
+                </a:ext>
+              </a:extLst>
+            </p:cNvPr>
+            <p:cNvSpPr txBox="1"/>
+            <p:nvPr/>
+          </p:nvSpPr>
+          <p:spPr>
+            <a:xfrm>
+              <a:off x="6470863" y="5913534"/>
+              <a:ext cx="1148312" cy="646331"/>
+            </a:xfrm>
+            <a:prstGeom prst="rect">
+              <a:avLst/>
+            </a:prstGeom>
+            <a:noFill/>
+          </p:spPr>
+          <p:txBody>
+            <a:bodyPr wrap="square" rtlCol="0">
+              <a:spAutoFit/>
+            </a:bodyPr>
+            <a:lstStyle/>
+            <a:p>
+              <a:pPr algn="ctr"/>
+              <a:r>
+                <a:rPr lang="en-US" altLang="zh-CN" dirty="0"/>
+                <a:t>Real</a:t>
+              </a:r>
+            </a:p>
+            <a:p>
+              <a:pPr algn="ctr"/>
+              <a:r>
+                <a:rPr lang="en-US" altLang="zh-CN" dirty="0"/>
+                <a:t>Simulator</a:t>
+              </a:r>
+              <a:endParaRPr lang="zh-CN" altLang="en-US" dirty="0"/>
+            </a:p>
+          </p:txBody>
+        </p:sp>
+      </p:grpSp>
     </p:spTree>
     <p:extLst>
       <p:ext uri="{BB962C8B-B14F-4D97-AF65-F5344CB8AC3E}">
